--- a/General Software Engineering/Levels of Peer Reviews.pptx
+++ b/General Software Engineering/Levels of Peer Reviews.pptx
@@ -107,6 +107,11 @@
       </a:defRPr>
     </a:lvl9pPr>
   </p:defaultTextStyle>
+  <p:extLst>
+    <p:ext uri="{EFAFB233-063F-42B5-8137-9DF3F51BA10A}">
+      <p15:sldGuideLst xmlns:p15="http://schemas.microsoft.com/office/powerpoint/2012/main"/>
+    </p:ext>
+  </p:extLst>
 </p:presentation>
 </file>
 
@@ -3079,7 +3084,7 @@
         <p:spPr/>
         <p:txBody>
           <a:bodyPr>
-            <a:normAutofit fontScale="55000" lnSpcReduction="20000"/>
+            <a:normAutofit fontScale="47500" lnSpcReduction="20000"/>
           </a:bodyPr>
           <a:lstStyle/>
           <a:p>
@@ -3109,8 +3114,20 @@
             <a:pPr lvl="1"/>
             <a:r>
               <a:rPr lang="en-US" dirty="0" smtClean="0"/>
-              <a:t>Does the code compile/run?</a:t>
-            </a:r>
+              <a:t>Does the code compile/run</a:t>
+            </a:r>
+            <a:r>
+              <a:rPr lang="en-US" dirty="0" smtClean="0"/>
+              <a:t>?</a:t>
+            </a:r>
+          </a:p>
+          <a:p>
+            <a:pPr lvl="1"/>
+            <a:r>
+              <a:rPr lang="en-US" dirty="0" smtClean="0"/>
+              <a:t>Is there a license?</a:t>
+            </a:r>
+            <a:endParaRPr lang="en-US" dirty="0" smtClean="0"/>
           </a:p>
           <a:p>
             <a:pPr lvl="1"/>
@@ -3383,7 +3400,6 @@
               <a:rPr lang="en-US" dirty="0" smtClean="0"/>
               <a:t>Learning from each others code</a:t>
             </a:r>
-            <a:endParaRPr lang="en-US" dirty="0" smtClean="0"/>
           </a:p>
           <a:p>
             <a:endParaRPr lang="nl-NL" dirty="0" smtClean="0"/>
@@ -3484,21 +3500,19 @@
               <a:rPr lang="en-US" dirty="0" smtClean="0"/>
               <a:t>Experienced programmers familiar with the programming language &amp; project subject</a:t>
             </a:r>
+          </a:p>
+          <a:p>
+            <a:pPr lvl="1"/>
+            <a:r>
+              <a:rPr lang="en-US" dirty="0" smtClean="0"/>
+              <a:t>Arrange a reviewer before starting the project</a:t>
+            </a:r>
+          </a:p>
+          <a:p>
+            <a:pPr lvl="1"/>
             <a:endParaRPr lang="en-US" dirty="0" smtClean="0"/>
           </a:p>
           <a:p>
-            <a:pPr lvl="1"/>
-            <a:r>
-              <a:rPr lang="en-US" dirty="0" smtClean="0"/>
-              <a:t>Arrange a reviewer before starting the project</a:t>
-            </a:r>
-            <a:endParaRPr lang="en-US" dirty="0" smtClean="0"/>
-          </a:p>
-          <a:p>
-            <a:pPr lvl="1"/>
-            <a:endParaRPr lang="en-US" dirty="0" smtClean="0"/>
-          </a:p>
-          <a:p>
             <a:r>
               <a:rPr lang="en-US" dirty="0" smtClean="0"/>
               <a:t>When to review:</a:t>
@@ -3515,7 +3529,7 @@
           <a:p>
             <a:pPr lvl="1"/>
             <a:r>
-              <a:rPr lang="en-US" dirty="0" smtClean="0"/>
+              <a:rPr lang="en-US" b="1" dirty="0" smtClean="0"/>
               <a:t>Only relevant for the most complex projects in CDS. Ask your supervisor if this is needed.</a:t>
             </a:r>
           </a:p>
